--- a/django_ppt/blog_ppt/5장. blog 페이지, 검색 및 댓글.pptx
+++ b/django_ppt/blog_ppt/5장. blog 페이지, 검색 및 댓글.pptx
@@ -5,7 +5,7 @@
     <p:sldMasterId id="2147483648" r:id="rId1"/>
   </p:sldMasterIdLst>
   <p:notesMasterIdLst>
-    <p:notesMasterId r:id="rId32"/>
+    <p:notesMasterId r:id="rId30"/>
   </p:notesMasterIdLst>
   <p:sldIdLst>
     <p:sldId id="256" r:id="rId2"/>
@@ -21,23 +21,21 @@
     <p:sldId id="444" r:id="rId12"/>
     <p:sldId id="445" r:id="rId13"/>
     <p:sldId id="432" r:id="rId14"/>
-    <p:sldId id="438" r:id="rId15"/>
-    <p:sldId id="426" r:id="rId16"/>
-    <p:sldId id="425" r:id="rId17"/>
-    <p:sldId id="416" r:id="rId18"/>
+    <p:sldId id="426" r:id="rId15"/>
+    <p:sldId id="425" r:id="rId16"/>
+    <p:sldId id="416" r:id="rId17"/>
+    <p:sldId id="437" r:id="rId18"/>
     <p:sldId id="418" r:id="rId19"/>
-    <p:sldId id="437" r:id="rId20"/>
-    <p:sldId id="436" r:id="rId21"/>
-    <p:sldId id="427" r:id="rId22"/>
-    <p:sldId id="439" r:id="rId23"/>
-    <p:sldId id="420" r:id="rId24"/>
-    <p:sldId id="422" r:id="rId25"/>
-    <p:sldId id="423" r:id="rId26"/>
-    <p:sldId id="421" r:id="rId27"/>
-    <p:sldId id="424" r:id="rId28"/>
-    <p:sldId id="429" r:id="rId29"/>
-    <p:sldId id="431" r:id="rId30"/>
-    <p:sldId id="430" r:id="rId31"/>
+    <p:sldId id="427" r:id="rId20"/>
+    <p:sldId id="439" r:id="rId21"/>
+    <p:sldId id="420" r:id="rId22"/>
+    <p:sldId id="422" r:id="rId23"/>
+    <p:sldId id="423" r:id="rId24"/>
+    <p:sldId id="421" r:id="rId25"/>
+    <p:sldId id="424" r:id="rId26"/>
+    <p:sldId id="429" r:id="rId27"/>
+    <p:sldId id="431" r:id="rId28"/>
+    <p:sldId id="430" r:id="rId29"/>
   </p:sldIdLst>
   <p:sldSz cx="9906000" cy="6858000" type="A4"/>
   <p:notesSz cx="6858000" cy="9144000"/>
@@ -237,7 +235,7 @@
           <a:p>
             <a:fld id="{7665CDAC-D627-4E87-877A-1B781DD4CADC}" type="datetimeFigureOut">
               <a:rPr lang="ko-KR" altLang="en-US" smtClean="0"/>
-              <a:t>2023-06-26</a:t>
+              <a:t>2023-07-09</a:t>
             </a:fld>
             <a:endParaRPr lang="ko-KR" altLang="en-US"/>
           </a:p>
@@ -649,7 +647,7 @@
           <a:p>
             <a:fld id="{C25BCFD5-C4DF-4EBC-B718-C69ED2FBDE6F}" type="datetime1">
               <a:rPr lang="ko-KR" altLang="en-US" smtClean="0"/>
-              <a:t>2023-06-26</a:t>
+              <a:t>2023-07-09</a:t>
             </a:fld>
             <a:endParaRPr lang="ko-KR" altLang="en-US"/>
           </a:p>
@@ -1100,7 +1098,7 @@
           <a:p>
             <a:fld id="{AB448CD7-D367-43D5-B461-ACE552E75063}" type="datetime1">
               <a:rPr lang="ko-KR" altLang="en-US" smtClean="0"/>
-              <a:t>2023-06-26</a:t>
+              <a:t>2023-07-09</a:t>
             </a:fld>
             <a:endParaRPr lang="ko-KR" altLang="en-US"/>
           </a:p>
@@ -1278,7 +1276,7 @@
           <a:p>
             <a:fld id="{B6E49E79-7361-4780-8BEF-7EDE3708298A}" type="datetime1">
               <a:rPr lang="ko-KR" altLang="en-US" smtClean="0"/>
-              <a:t>2023-06-26</a:t>
+              <a:t>2023-07-09</a:t>
             </a:fld>
             <a:endParaRPr lang="ko-KR" altLang="en-US"/>
           </a:p>
@@ -1450,7 +1448,7 @@
           <a:p>
             <a:fld id="{A4D42E3C-B70B-437C-85CF-1286301B9CBA}" type="datetime1">
               <a:rPr lang="ko-KR" altLang="en-US" smtClean="0"/>
-              <a:t>2023-06-26</a:t>
+              <a:t>2023-07-09</a:t>
             </a:fld>
             <a:endParaRPr lang="ko-KR" altLang="en-US"/>
           </a:p>
@@ -1702,7 +1700,7 @@
           <a:p>
             <a:fld id="{B3369A20-5B3D-4D98-A822-26B93D177A40}" type="datetime1">
               <a:rPr lang="ko-KR" altLang="en-US" smtClean="0"/>
-              <a:t>2023-06-26</a:t>
+              <a:t>2023-07-09</a:t>
             </a:fld>
             <a:endParaRPr lang="ko-KR" altLang="en-US"/>
           </a:p>
@@ -1987,7 +1985,7 @@
           <a:p>
             <a:fld id="{685CD4CE-9E43-4F70-A9D8-A2130CA7D92A}" type="datetime1">
               <a:rPr lang="ko-KR" altLang="en-US" smtClean="0"/>
-              <a:t>2023-06-26</a:t>
+              <a:t>2023-07-09</a:t>
             </a:fld>
             <a:endParaRPr lang="ko-KR" altLang="en-US"/>
           </a:p>
@@ -2413,7 +2411,7 @@
           <a:p>
             <a:fld id="{F752BD92-DA3E-4A0B-90C9-7DE5E15B6E96}" type="datetime1">
               <a:rPr lang="ko-KR" altLang="en-US" smtClean="0"/>
-              <a:t>2023-06-26</a:t>
+              <a:t>2023-07-09</a:t>
             </a:fld>
             <a:endParaRPr lang="ko-KR" altLang="en-US"/>
           </a:p>
@@ -2537,7 +2535,7 @@
           <a:p>
             <a:fld id="{8EA2B83A-F366-424E-B742-340ACF856BB5}" type="datetime1">
               <a:rPr lang="ko-KR" altLang="en-US" smtClean="0"/>
-              <a:t>2023-06-26</a:t>
+              <a:t>2023-07-09</a:t>
             </a:fld>
             <a:endParaRPr lang="ko-KR" altLang="en-US"/>
           </a:p>
@@ -2632,7 +2630,7 @@
           <a:p>
             <a:fld id="{9A49D68B-5DBD-48E9-A8D4-FCBC4B3DD9C6}" type="datetime1">
               <a:rPr lang="ko-KR" altLang="en-US" smtClean="0"/>
-              <a:t>2023-06-26</a:t>
+              <a:t>2023-07-09</a:t>
             </a:fld>
             <a:endParaRPr lang="ko-KR" altLang="en-US"/>
           </a:p>
@@ -2907,7 +2905,7 @@
           <a:p>
             <a:fld id="{4CAB534F-7D16-467B-9320-91F98915D181}" type="datetime1">
               <a:rPr lang="ko-KR" altLang="en-US" smtClean="0"/>
-              <a:t>2023-06-26</a:t>
+              <a:t>2023-07-09</a:t>
             </a:fld>
             <a:endParaRPr lang="ko-KR" altLang="en-US"/>
           </a:p>
@@ -3159,7 +3157,7 @@
           <a:p>
             <a:fld id="{A390A91F-2F8D-4486-A69D-D680F95444B0}" type="datetime1">
               <a:rPr lang="ko-KR" altLang="en-US" smtClean="0"/>
-              <a:t>2023-06-26</a:t>
+              <a:t>2023-07-09</a:t>
             </a:fld>
             <a:endParaRPr lang="ko-KR" altLang="en-US"/>
           </a:p>
@@ -3338,7 +3336,7 @@
           <a:p>
             <a:fld id="{2238BBEA-E8DD-414A-BF68-FC2AFA7CFF2D}" type="datetime1">
               <a:rPr lang="ko-KR" altLang="en-US" smtClean="0"/>
-              <a:t>2023-06-26</a:t>
+              <a:t>2023-07-09</a:t>
             </a:fld>
             <a:endParaRPr lang="ko-KR" altLang="en-US"/>
           </a:p>
@@ -4808,7 +4806,7 @@
       </p:sp>
       <p:pic>
         <p:nvPicPr>
-          <p:cNvPr id="3" name="그림 2"/>
+          <p:cNvPr id="5" name="그림 4"/>
           <p:cNvPicPr>
             <a:picLocks noChangeAspect="1"/>
           </p:cNvPicPr>
@@ -4828,8 +4826,8 @@
         </p:blipFill>
         <p:spPr>
           <a:xfrm>
-            <a:off x="1280592" y="1268759"/>
-            <a:ext cx="7696867" cy="5197291"/>
+            <a:off x="1013504" y="1340768"/>
+            <a:ext cx="7829866" cy="4549787"/>
           </a:xfrm>
           <a:prstGeom prst="rect">
             <a:avLst/>
@@ -4898,18 +4896,17 @@
           <a:lstStyle/>
           <a:p>
             <a:r>
-              <a:rPr lang="en-US" altLang="ko-KR" dirty="0"/>
+              <a:rPr lang="en-US" altLang="ko-KR" dirty="0" smtClean="0"/>
               <a:t> </a:t>
             </a:r>
             <a:r>
-              <a:rPr lang="ko-KR" altLang="en-US" dirty="0" err="1" smtClean="0"/>
+              <a:rPr lang="ko-KR" altLang="en-US" dirty="0" err="1"/>
               <a:t>댓글</a:t>
             </a:r>
             <a:r>
-              <a:rPr lang="ko-KR" altLang="en-US" dirty="0" smtClean="0"/>
-              <a:t> 등록하기 </a:t>
-            </a:r>
-            <a:endParaRPr lang="ko-KR" altLang="en-US" dirty="0"/>
+              <a:rPr lang="ko-KR" altLang="en-US" dirty="0"/>
+              <a:t> 등록하기</a:t>
+            </a:r>
           </a:p>
         </p:txBody>
       </p:sp>
@@ -4931,135 +4928,6 @@
             <a:fld id="{1BDE3FE7-3AEA-4B05-AC5A-802D1816ACF0}" type="slidenum">
               <a:rPr lang="ko-KR" altLang="en-US" smtClean="0"/>
               <a:t>14</a:t>
-            </a:fld>
-            <a:endParaRPr lang="ko-KR" altLang="en-US" dirty="0"/>
-          </a:p>
-        </p:txBody>
-      </p:sp>
-      <p:pic>
-        <p:nvPicPr>
-          <p:cNvPr id="5" name="그림 4"/>
-          <p:cNvPicPr>
-            <a:picLocks noChangeAspect="1"/>
-          </p:cNvPicPr>
-          <p:nvPr/>
-        </p:nvPicPr>
-        <p:blipFill>
-          <a:blip r:embed="rId2">
-            <a:extLst>
-              <a:ext uri="{28A0092B-C50C-407E-A947-70E740481C1C}">
-                <a14:useLocalDpi xmlns:a14="http://schemas.microsoft.com/office/drawing/2010/main" val="0"/>
-              </a:ext>
-            </a:extLst>
-          </a:blip>
-          <a:stretch>
-            <a:fillRect/>
-          </a:stretch>
-        </p:blipFill>
-        <p:spPr>
-          <a:xfrm>
-            <a:off x="1784648" y="1628800"/>
-            <a:ext cx="4274147" cy="2952328"/>
-          </a:xfrm>
-          <a:prstGeom prst="rect">
-            <a:avLst/>
-          </a:prstGeom>
-          <a:ln>
-            <a:solidFill>
-              <a:schemeClr val="bg1">
-                <a:lumMod val="85000"/>
-              </a:schemeClr>
-            </a:solidFill>
-          </a:ln>
-        </p:spPr>
-      </p:pic>
-    </p:spTree>
-    <p:extLst>
-      <p:ext uri="{BB962C8B-B14F-4D97-AF65-F5344CB8AC3E}">
-        <p14:creationId xmlns:p14="http://schemas.microsoft.com/office/powerpoint/2010/main" val="24569691"/>
-      </p:ext>
-    </p:extLst>
-  </p:cSld>
-  <p:clrMapOvr>
-    <a:masterClrMapping/>
-  </p:clrMapOvr>
-  <p:timing>
-    <p:tnLst>
-      <p:par>
-        <p:cTn id="1" dur="indefinite" restart="never" nodeType="tmRoot"/>
-      </p:par>
-    </p:tnLst>
-  </p:timing>
-</p:sld>
-</file>
-
-<file path=ppt/slides/slide15.xml><?xml version="1.0" encoding="utf-8"?>
-<p:sld xmlns:a="http://schemas.openxmlformats.org/drawingml/2006/main" xmlns:r="http://schemas.openxmlformats.org/officeDocument/2006/relationships" xmlns:p="http://schemas.openxmlformats.org/presentationml/2006/main">
-  <p:cSld>
-    <p:spTree>
-      <p:nvGrpSpPr>
-        <p:cNvPr id="1" name=""/>
-        <p:cNvGrpSpPr/>
-        <p:nvPr/>
-      </p:nvGrpSpPr>
-      <p:grpSpPr>
-        <a:xfrm>
-          <a:off x="0" y="0"/>
-          <a:ext cx="0" cy="0"/>
-          <a:chOff x="0" y="0"/>
-          <a:chExt cx="0" cy="0"/>
-        </a:xfrm>
-      </p:grpSpPr>
-      <p:sp>
-        <p:nvSpPr>
-          <p:cNvPr id="2" name="제목 1"/>
-          <p:cNvSpPr>
-            <a:spLocks noGrp="1"/>
-          </p:cNvSpPr>
-          <p:nvPr>
-            <p:ph type="title"/>
-          </p:nvPr>
-        </p:nvSpPr>
-        <p:spPr/>
-        <p:txBody>
-          <a:bodyPr>
-            <a:normAutofit/>
-          </a:bodyPr>
-          <a:lstStyle/>
-          <a:p>
-            <a:r>
-              <a:rPr lang="en-US" altLang="ko-KR" dirty="0" smtClean="0"/>
-              <a:t> </a:t>
-            </a:r>
-            <a:r>
-              <a:rPr lang="ko-KR" altLang="en-US" dirty="0" err="1"/>
-              <a:t>댓글</a:t>
-            </a:r>
-            <a:r>
-              <a:rPr lang="ko-KR" altLang="en-US" dirty="0"/>
-              <a:t> 등록하기</a:t>
-            </a:r>
-          </a:p>
-        </p:txBody>
-      </p:sp>
-      <p:sp>
-        <p:nvSpPr>
-          <p:cNvPr id="4" name="슬라이드 번호 개체 틀 3"/>
-          <p:cNvSpPr>
-            <a:spLocks noGrp="1"/>
-          </p:cNvSpPr>
-          <p:nvPr>
-            <p:ph type="sldNum" sz="quarter" idx="12"/>
-          </p:nvPr>
-        </p:nvSpPr>
-        <p:spPr/>
-        <p:txBody>
-          <a:bodyPr/>
-          <a:lstStyle/>
-          <a:p>
-            <a:fld id="{1BDE3FE7-3AEA-4B05-AC5A-802D1816ACF0}" type="slidenum">
-              <a:rPr lang="ko-KR" altLang="en-US" smtClean="0"/>
-              <a:t>15</a:t>
             </a:fld>
             <a:endParaRPr lang="ko-KR" altLang="en-US"/>
           </a:p>
@@ -5346,7 +5214,7 @@
 </p:sld>
 </file>
 
-<file path=ppt/slides/slide16.xml><?xml version="1.0" encoding="utf-8"?>
+<file path=ppt/slides/slide15.xml><?xml version="1.0" encoding="utf-8"?>
 <p:sld xmlns:a="http://schemas.openxmlformats.org/drawingml/2006/main" xmlns:r="http://schemas.openxmlformats.org/officeDocument/2006/relationships" xmlns:p="http://schemas.openxmlformats.org/presentationml/2006/main">
   <p:cSld>
     <p:spTree>
@@ -5412,7 +5280,7 @@
           <a:p>
             <a:fld id="{1BDE3FE7-3AEA-4B05-AC5A-802D1816ACF0}" type="slidenum">
               <a:rPr lang="ko-KR" altLang="en-US" smtClean="0"/>
-              <a:t>16</a:t>
+              <a:t>15</a:t>
             </a:fld>
             <a:endParaRPr lang="ko-KR" altLang="en-US"/>
           </a:p>
@@ -5454,12 +5322,16 @@
               <a:t>. </a:t>
             </a:r>
             <a:r>
-              <a:rPr lang="ko-KR" altLang="en-US" dirty="0" err="1" smtClean="0"/>
-              <a:t>댓글</a:t>
-            </a:r>
-            <a:r>
               <a:rPr lang="ko-KR" altLang="en-US" dirty="0" smtClean="0"/>
-              <a:t> 추가 링크 걸기 </a:t>
+              <a:t>댓글 </a:t>
+            </a:r>
+            <a:r>
+              <a:rPr lang="ko-KR" altLang="en-US" dirty="0" smtClean="0"/>
+              <a:t>등록 폼 </a:t>
+            </a:r>
+            <a:r>
+              <a:rPr lang="ko-KR" altLang="en-US" dirty="0" smtClean="0"/>
+              <a:t> </a:t>
             </a:r>
             <a:r>
               <a:rPr lang="en-US" altLang="ko-KR" dirty="0" smtClean="0"/>
@@ -5470,7 +5342,7 @@
       </p:sp>
       <p:pic>
         <p:nvPicPr>
-          <p:cNvPr id="5" name="그림 4"/>
+          <p:cNvPr id="3" name="그림 2"/>
           <p:cNvPicPr>
             <a:picLocks noChangeAspect="1"/>
           </p:cNvPicPr>
@@ -5490,8 +5362,8 @@
         </p:blipFill>
         <p:spPr>
           <a:xfrm>
-            <a:off x="1568624" y="1964451"/>
-            <a:ext cx="6363252" cy="3840813"/>
+            <a:off x="776536" y="2087853"/>
+            <a:ext cx="8768688" cy="3541337"/>
           </a:xfrm>
           <a:prstGeom prst="rect">
             <a:avLst/>
@@ -5525,6 +5397,343 @@
 </p:sld>
 </file>
 
+<file path=ppt/slides/slide16.xml><?xml version="1.0" encoding="utf-8"?>
+<p:sld xmlns:a="http://schemas.openxmlformats.org/drawingml/2006/main" xmlns:r="http://schemas.openxmlformats.org/officeDocument/2006/relationships" xmlns:p="http://schemas.openxmlformats.org/presentationml/2006/main">
+  <p:cSld>
+    <p:spTree>
+      <p:nvGrpSpPr>
+        <p:cNvPr id="1" name=""/>
+        <p:cNvGrpSpPr/>
+        <p:nvPr/>
+      </p:nvGrpSpPr>
+      <p:grpSpPr>
+        <a:xfrm>
+          <a:off x="0" y="0"/>
+          <a:ext cx="0" cy="0"/>
+          <a:chOff x="0" y="0"/>
+          <a:chExt cx="0" cy="0"/>
+        </a:xfrm>
+      </p:grpSpPr>
+      <p:sp>
+        <p:nvSpPr>
+          <p:cNvPr id="2" name="제목 1"/>
+          <p:cNvSpPr>
+            <a:spLocks noGrp="1"/>
+          </p:cNvSpPr>
+          <p:nvPr>
+            <p:ph type="title"/>
+          </p:nvPr>
+        </p:nvSpPr>
+        <p:spPr/>
+        <p:txBody>
+          <a:bodyPr>
+            <a:normAutofit/>
+          </a:bodyPr>
+          <a:lstStyle/>
+          <a:p>
+            <a:r>
+              <a:rPr lang="en-US" altLang="ko-KR" dirty="0"/>
+              <a:t> </a:t>
+            </a:r>
+            <a:r>
+              <a:rPr lang="ko-KR" altLang="en-US" dirty="0" err="1"/>
+              <a:t>댓글</a:t>
+            </a:r>
+            <a:r>
+              <a:rPr lang="ko-KR" altLang="en-US" dirty="0"/>
+              <a:t> 등록하기</a:t>
+            </a:r>
+          </a:p>
+        </p:txBody>
+      </p:sp>
+      <p:sp>
+        <p:nvSpPr>
+          <p:cNvPr id="4" name="슬라이드 번호 개체 틀 3"/>
+          <p:cNvSpPr>
+            <a:spLocks noGrp="1"/>
+          </p:cNvSpPr>
+          <p:nvPr>
+            <p:ph type="sldNum" sz="quarter" idx="12"/>
+          </p:nvPr>
+        </p:nvSpPr>
+        <p:spPr/>
+        <p:txBody>
+          <a:bodyPr/>
+          <a:lstStyle/>
+          <a:p>
+            <a:fld id="{1BDE3FE7-3AEA-4B05-AC5A-802D1816ACF0}" type="slidenum">
+              <a:rPr lang="ko-KR" altLang="en-US" smtClean="0"/>
+              <a:t>16</a:t>
+            </a:fld>
+            <a:endParaRPr lang="ko-KR" altLang="en-US" dirty="0"/>
+          </a:p>
+        </p:txBody>
+      </p:sp>
+      <p:sp>
+        <p:nvSpPr>
+          <p:cNvPr id="6" name="TextBox 5"/>
+          <p:cNvSpPr txBox="1"/>
+          <p:nvPr/>
+        </p:nvSpPr>
+        <p:spPr>
+          <a:xfrm>
+            <a:off x="1136576" y="1412776"/>
+            <a:ext cx="6768752" cy="507831"/>
+          </a:xfrm>
+          <a:prstGeom prst="rect">
+            <a:avLst/>
+          </a:prstGeom>
+          <a:noFill/>
+        </p:spPr>
+        <p:txBody>
+          <a:bodyPr wrap="square" rtlCol="0">
+            <a:spAutoFit/>
+          </a:bodyPr>
+          <a:lstStyle/>
+          <a:p>
+            <a:pPr>
+              <a:lnSpc>
+                <a:spcPct val="150000"/>
+              </a:lnSpc>
+            </a:pPr>
+            <a:r>
+              <a:rPr lang="en-US" altLang="ko-KR" dirty="0" smtClean="0"/>
+              <a:t>2. </a:t>
+            </a:r>
+            <a:r>
+              <a:rPr lang="ko-KR" altLang="en-US" dirty="0" err="1" smtClean="0"/>
+              <a:t>댓글</a:t>
+            </a:r>
+            <a:r>
+              <a:rPr lang="ko-KR" altLang="en-US" dirty="0" smtClean="0"/>
+              <a:t> 등록 </a:t>
+            </a:r>
+            <a:r>
+              <a:rPr lang="en-US" altLang="ko-KR" dirty="0" smtClean="0"/>
+              <a:t>URL </a:t>
+            </a:r>
+            <a:r>
+              <a:rPr lang="ko-KR" altLang="en-US" dirty="0" err="1" smtClean="0"/>
+              <a:t>매핑하기</a:t>
+            </a:r>
+            <a:r>
+              <a:rPr lang="ko-KR" altLang="en-US" dirty="0" smtClean="0"/>
+              <a:t> </a:t>
+            </a:r>
+            <a:r>
+              <a:rPr lang="en-US" altLang="ko-KR" dirty="0" smtClean="0"/>
+              <a:t>– blog/urls.py</a:t>
+            </a:r>
+            <a:endParaRPr lang="en-US" altLang="ko-KR" dirty="0"/>
+          </a:p>
+        </p:txBody>
+      </p:sp>
+      <p:sp>
+        <p:nvSpPr>
+          <p:cNvPr id="11" name="TextBox 10"/>
+          <p:cNvSpPr txBox="1"/>
+          <p:nvPr/>
+        </p:nvSpPr>
+        <p:spPr>
+          <a:xfrm>
+            <a:off x="1352600" y="2060848"/>
+            <a:ext cx="7776864" cy="2169825"/>
+          </a:xfrm>
+          <a:prstGeom prst="rect">
+            <a:avLst/>
+          </a:prstGeom>
+          <a:noFill/>
+          <a:ln>
+            <a:solidFill>
+              <a:schemeClr val="bg1">
+                <a:lumMod val="85000"/>
+              </a:schemeClr>
+            </a:solidFill>
+          </a:ln>
+        </p:spPr>
+        <p:txBody>
+          <a:bodyPr wrap="square" rtlCol="0">
+            <a:spAutoFit/>
+          </a:bodyPr>
+          <a:lstStyle/>
+          <a:p>
+            <a:pPr>
+              <a:lnSpc>
+                <a:spcPct val="150000"/>
+              </a:lnSpc>
+            </a:pPr>
+            <a:r>
+              <a:rPr lang="en-US" altLang="ko-KR" dirty="0" err="1"/>
+              <a:t>u</a:t>
+            </a:r>
+            <a:r>
+              <a:rPr lang="en-US" altLang="ko-KR" dirty="0" err="1" smtClean="0"/>
+              <a:t>rlpatterns</a:t>
+            </a:r>
+            <a:r>
+              <a:rPr lang="en-US" altLang="ko-KR" dirty="0" smtClean="0"/>
+              <a:t> = [</a:t>
+            </a:r>
+          </a:p>
+          <a:p>
+            <a:pPr>
+              <a:lnSpc>
+                <a:spcPct val="150000"/>
+              </a:lnSpc>
+            </a:pPr>
+            <a:r>
+              <a:rPr lang="en-US" altLang="ko-KR" dirty="0" smtClean="0"/>
+              <a:t>    ….</a:t>
+            </a:r>
+          </a:p>
+          <a:p>
+            <a:pPr>
+              <a:lnSpc>
+                <a:spcPct val="150000"/>
+              </a:lnSpc>
+            </a:pPr>
+            <a:r>
+              <a:rPr lang="en-US" altLang="ko-KR" dirty="0"/>
+              <a:t> </a:t>
+            </a:r>
+            <a:r>
+              <a:rPr lang="en-US" altLang="ko-KR" dirty="0" smtClean="0"/>
+              <a:t>   </a:t>
+            </a:r>
+            <a:r>
+              <a:rPr lang="en-US" altLang="ko-KR" dirty="0">
+                <a:solidFill>
+                  <a:srgbClr val="C00000"/>
+                </a:solidFill>
+              </a:rPr>
+              <a:t>path</a:t>
+            </a:r>
+            <a:r>
+              <a:rPr lang="en-US" altLang="ko-KR" dirty="0" smtClean="0">
+                <a:solidFill>
+                  <a:srgbClr val="C00000"/>
+                </a:solidFill>
+              </a:rPr>
+              <a:t>(‘comment/create/&lt;</a:t>
+            </a:r>
+            <a:r>
+              <a:rPr lang="en-US" altLang="ko-KR" dirty="0" err="1" smtClean="0">
+                <a:solidFill>
+                  <a:srgbClr val="C00000"/>
+                </a:solidFill>
+              </a:rPr>
+              <a:t>int:post_id</a:t>
+            </a:r>
+            <a:r>
+              <a:rPr lang="en-US" altLang="ko-KR" dirty="0" smtClean="0">
+                <a:solidFill>
+                  <a:srgbClr val="C00000"/>
+                </a:solidFill>
+              </a:rPr>
+              <a:t>&gt;/', </a:t>
+            </a:r>
+            <a:r>
+              <a:rPr lang="en-US" altLang="ko-KR" dirty="0" err="1" smtClean="0">
+                <a:solidFill>
+                  <a:srgbClr val="C00000"/>
+                </a:solidFill>
+              </a:rPr>
+              <a:t>views.comment_create</a:t>
+            </a:r>
+            <a:r>
+              <a:rPr lang="en-US" altLang="ko-KR" dirty="0" smtClean="0">
+                <a:solidFill>
+                  <a:srgbClr val="C00000"/>
+                </a:solidFill>
+              </a:rPr>
+              <a:t>,               </a:t>
+            </a:r>
+          </a:p>
+          <a:p>
+            <a:pPr>
+              <a:lnSpc>
+                <a:spcPct val="150000"/>
+              </a:lnSpc>
+            </a:pPr>
+            <a:r>
+              <a:rPr lang="en-US" altLang="ko-KR" dirty="0">
+                <a:solidFill>
+                  <a:srgbClr val="C00000"/>
+                </a:solidFill>
+              </a:rPr>
+              <a:t> </a:t>
+            </a:r>
+            <a:r>
+              <a:rPr lang="en-US" altLang="ko-KR" dirty="0" smtClean="0">
+                <a:solidFill>
+                  <a:srgbClr val="C00000"/>
+                </a:solidFill>
+              </a:rPr>
+              <a:t>                                                    name</a:t>
+            </a:r>
+            <a:r>
+              <a:rPr lang="en-US" altLang="ko-KR" dirty="0">
+                <a:solidFill>
+                  <a:srgbClr val="C00000"/>
+                </a:solidFill>
+              </a:rPr>
+              <a:t>='</a:t>
+            </a:r>
+            <a:r>
+              <a:rPr lang="en-US" altLang="ko-KR" dirty="0" err="1">
+                <a:solidFill>
+                  <a:srgbClr val="C00000"/>
+                </a:solidFill>
+              </a:rPr>
+              <a:t>comment_create</a:t>
+            </a:r>
+            <a:r>
+              <a:rPr lang="en-US" altLang="ko-KR" dirty="0">
+                <a:solidFill>
+                  <a:srgbClr val="C00000"/>
+                </a:solidFill>
+              </a:rPr>
+              <a:t>'),</a:t>
+            </a:r>
+            <a:endParaRPr lang="en-US" altLang="ko-KR" dirty="0" smtClean="0">
+              <a:solidFill>
+                <a:srgbClr val="C00000"/>
+              </a:solidFill>
+            </a:endParaRPr>
+          </a:p>
+          <a:p>
+            <a:pPr>
+              <a:lnSpc>
+                <a:spcPct val="150000"/>
+              </a:lnSpc>
+            </a:pPr>
+            <a:r>
+              <a:rPr lang="en-US" altLang="ko-KR" dirty="0" smtClean="0"/>
+              <a:t>]</a:t>
+            </a:r>
+          </a:p>
+        </p:txBody>
+      </p:sp>
+    </p:spTree>
+    <p:extLst>
+      <p:ext uri="{BB962C8B-B14F-4D97-AF65-F5344CB8AC3E}">
+        <p14:creationId xmlns:p14="http://schemas.microsoft.com/office/powerpoint/2010/main" val="1336247743"/>
+      </p:ext>
+    </p:extLst>
+  </p:cSld>
+  <p:clrMapOvr>
+    <a:masterClrMapping/>
+  </p:clrMapOvr>
+  <p:timing>
+    <p:tnLst>
+      <p:par>
+        <p:cTn id="1" dur="indefinite" restart="never" nodeType="tmRoot"/>
+      </p:par>
+    </p:tnLst>
+  </p:timing>
+</p:sld>
+</file>
+
 <file path=ppt/slides/slide17.xml><?xml version="1.0" encoding="utf-8"?>
 <p:sld xmlns:a="http://schemas.openxmlformats.org/drawingml/2006/main" xmlns:r="http://schemas.openxmlformats.org/officeDocument/2006/relationships" xmlns:p="http://schemas.openxmlformats.org/presentationml/2006/main">
   <p:cSld>
@@ -5593,7 +5802,7 @@
               <a:rPr lang="ko-KR" altLang="en-US" smtClean="0"/>
               <a:t>17</a:t>
             </a:fld>
-            <a:endParaRPr lang="ko-KR" altLang="en-US" dirty="0"/>
+            <a:endParaRPr lang="ko-KR" altLang="en-US"/>
           </a:p>
         </p:txBody>
       </p:sp>
@@ -5605,8 +5814,8 @@
         </p:nvSpPr>
         <p:spPr>
           <a:xfrm>
-            <a:off x="1136576" y="1412776"/>
-            <a:ext cx="6768752" cy="507831"/>
+            <a:off x="1208584" y="1316379"/>
+            <a:ext cx="6552728" cy="507831"/>
           </a:xfrm>
           <a:prstGeom prst="rect">
             <a:avLst/>
@@ -5625,24 +5834,28 @@
               </a:lnSpc>
             </a:pPr>
             <a:r>
+              <a:rPr lang="en-US" altLang="ko-KR" dirty="0"/>
+              <a:t>4</a:t>
+            </a:r>
+            <a:r>
               <a:rPr lang="en-US" altLang="ko-KR" dirty="0" smtClean="0"/>
-              <a:t>2. </a:t>
-            </a:r>
-            <a:r>
-              <a:rPr lang="ko-KR" altLang="en-US" dirty="0" err="1" smtClean="0"/>
-              <a:t>댓글</a:t>
+              <a:t>. </a:t>
+            </a:r>
+            <a:r>
+              <a:rPr lang="en-US" altLang="ko-KR" dirty="0" err="1" smtClean="0"/>
+              <a:t>commentForm</a:t>
+            </a:r>
+            <a:r>
+              <a:rPr lang="en-US" altLang="ko-KR" dirty="0" smtClean="0"/>
+              <a:t> </a:t>
             </a:r>
             <a:r>
               <a:rPr lang="ko-KR" altLang="en-US" dirty="0" smtClean="0"/>
-              <a:t> 등록 </a:t>
-            </a:r>
-            <a:r>
-              <a:rPr lang="en-US" altLang="ko-KR" dirty="0" smtClean="0"/>
-              <a:t>URL </a:t>
-            </a:r>
-            <a:r>
-              <a:rPr lang="ko-KR" altLang="en-US" dirty="0" err="1" smtClean="0"/>
-              <a:t>매핑하기</a:t>
+              <a:t>생</a:t>
+            </a:r>
+            <a:r>
+              <a:rPr lang="ko-KR" altLang="en-US" dirty="0"/>
+              <a:t>성</a:t>
             </a:r>
             <a:r>
               <a:rPr lang="ko-KR" altLang="en-US" dirty="0" smtClean="0"/>
@@ -5650,27 +5863,39 @@
             </a:r>
             <a:r>
               <a:rPr lang="en-US" altLang="ko-KR" dirty="0" smtClean="0"/>
-              <a:t>– blog/urls.py</a:t>
-            </a:r>
-            <a:endParaRPr lang="en-US" altLang="ko-KR" dirty="0"/>
-          </a:p>
-        </p:txBody>
-      </p:sp>
-      <p:sp>
-        <p:nvSpPr>
-          <p:cNvPr id="11" name="TextBox 10"/>
-          <p:cNvSpPr txBox="1"/>
+              <a:t>– blog/forms.html</a:t>
+            </a:r>
+          </a:p>
+        </p:txBody>
+      </p:sp>
+      <p:pic>
+        <p:nvPicPr>
+          <p:cNvPr id="3" name="그림 2"/>
+          <p:cNvPicPr>
+            <a:picLocks noChangeAspect="1"/>
+          </p:cNvPicPr>
           <p:nvPr/>
-        </p:nvSpPr>
+        </p:nvPicPr>
+        <p:blipFill>
+          <a:blip r:embed="rId2">
+            <a:extLst>
+              <a:ext uri="{28A0092B-C50C-407E-A947-70E740481C1C}">
+                <a14:useLocalDpi xmlns:a14="http://schemas.microsoft.com/office/drawing/2010/main" val="0"/>
+              </a:ext>
+            </a:extLst>
+          </a:blip>
+          <a:stretch>
+            <a:fillRect/>
+          </a:stretch>
+        </p:blipFill>
         <p:spPr>
           <a:xfrm>
-            <a:off x="1352600" y="2060848"/>
-            <a:ext cx="7272808" cy="2169825"/>
+            <a:off x="1640632" y="1988840"/>
+            <a:ext cx="5159887" cy="2304256"/>
           </a:xfrm>
           <a:prstGeom prst="rect">
             <a:avLst/>
           </a:prstGeom>
-          <a:noFill/>
           <a:ln>
             <a:solidFill>
               <a:schemeClr val="bg1">
@@ -5679,173 +5904,11 @@
             </a:solidFill>
           </a:ln>
         </p:spPr>
-        <p:txBody>
-          <a:bodyPr wrap="square" rtlCol="0">
-            <a:spAutoFit/>
-          </a:bodyPr>
-          <a:lstStyle/>
-          <a:p>
-            <a:pPr>
-              <a:lnSpc>
-                <a:spcPct val="150000"/>
-              </a:lnSpc>
-            </a:pPr>
-            <a:r>
-              <a:rPr lang="en-US" altLang="ko-KR" dirty="0" err="1"/>
-              <a:t>u</a:t>
-            </a:r>
-            <a:r>
-              <a:rPr lang="en-US" altLang="ko-KR" dirty="0" err="1" smtClean="0"/>
-              <a:t>rlpatterns</a:t>
-            </a:r>
-            <a:r>
-              <a:rPr lang="en-US" altLang="ko-KR" dirty="0" smtClean="0"/>
-              <a:t> = [</a:t>
-            </a:r>
-          </a:p>
-          <a:p>
-            <a:pPr>
-              <a:lnSpc>
-                <a:spcPct val="150000"/>
-              </a:lnSpc>
-            </a:pPr>
-            <a:r>
-              <a:rPr lang="en-US" altLang="ko-KR" dirty="0" smtClean="0"/>
-              <a:t>    ….</a:t>
-            </a:r>
-          </a:p>
-          <a:p>
-            <a:pPr>
-              <a:lnSpc>
-                <a:spcPct val="150000"/>
-              </a:lnSpc>
-            </a:pPr>
-            <a:r>
-              <a:rPr lang="en-US" altLang="ko-KR" dirty="0"/>
-              <a:t> </a:t>
-            </a:r>
-            <a:r>
-              <a:rPr lang="en-US" altLang="ko-KR" dirty="0" smtClean="0"/>
-              <a:t>   </a:t>
-            </a:r>
-            <a:r>
-              <a:rPr lang="en-US" altLang="ko-KR" dirty="0">
-                <a:solidFill>
-                  <a:srgbClr val="C00000"/>
-                </a:solidFill>
-              </a:rPr>
-              <a:t>path</a:t>
-            </a:r>
-            <a:r>
-              <a:rPr lang="en-US" altLang="ko-KR" dirty="0" smtClean="0">
-                <a:solidFill>
-                  <a:srgbClr val="C00000"/>
-                </a:solidFill>
-              </a:rPr>
-              <a:t>(‘comment/create/&lt;</a:t>
-            </a:r>
-            <a:r>
-              <a:rPr lang="en-US" altLang="ko-KR" dirty="0" err="1">
-                <a:solidFill>
-                  <a:srgbClr val="C00000"/>
-                </a:solidFill>
-              </a:rPr>
-              <a:t>int:pk</a:t>
-            </a:r>
-            <a:r>
-              <a:rPr lang="en-US" altLang="ko-KR" dirty="0">
-                <a:solidFill>
-                  <a:srgbClr val="C00000"/>
-                </a:solidFill>
-              </a:rPr>
-              <a:t>&gt;/', </a:t>
-            </a:r>
-            <a:r>
-              <a:rPr lang="en-US" altLang="ko-KR" dirty="0" err="1" smtClean="0">
-                <a:solidFill>
-                  <a:srgbClr val="C00000"/>
-                </a:solidFill>
-              </a:rPr>
-              <a:t>views.comment_create</a:t>
-            </a:r>
-            <a:r>
-              <a:rPr lang="en-US" altLang="ko-KR" dirty="0" smtClean="0">
-                <a:solidFill>
-                  <a:srgbClr val="C00000"/>
-                </a:solidFill>
-              </a:rPr>
-              <a:t>,               </a:t>
-            </a:r>
-          </a:p>
-          <a:p>
-            <a:pPr>
-              <a:lnSpc>
-                <a:spcPct val="150000"/>
-              </a:lnSpc>
-            </a:pPr>
-            <a:r>
-              <a:rPr lang="en-US" altLang="ko-KR" dirty="0">
-                <a:solidFill>
-                  <a:srgbClr val="C00000"/>
-                </a:solidFill>
-              </a:rPr>
-              <a:t> </a:t>
-            </a:r>
-            <a:r>
-              <a:rPr lang="en-US" altLang="ko-KR" dirty="0" smtClean="0">
-                <a:solidFill>
-                  <a:srgbClr val="C00000"/>
-                </a:solidFill>
-              </a:rPr>
-              <a:t>                                                    name</a:t>
-            </a:r>
-            <a:r>
-              <a:rPr lang="en-US" altLang="ko-KR" dirty="0">
-                <a:solidFill>
-                  <a:srgbClr val="C00000"/>
-                </a:solidFill>
-              </a:rPr>
-              <a:t>='</a:t>
-            </a:r>
-            <a:r>
-              <a:rPr lang="en-US" altLang="ko-KR" dirty="0" err="1">
-                <a:solidFill>
-                  <a:srgbClr val="C00000"/>
-                </a:solidFill>
-              </a:rPr>
-              <a:t>comment_create</a:t>
-            </a:r>
-            <a:r>
-              <a:rPr lang="en-US" altLang="ko-KR" dirty="0">
-                <a:solidFill>
-                  <a:srgbClr val="C00000"/>
-                </a:solidFill>
-              </a:rPr>
-              <a:t>'),</a:t>
-            </a:r>
-            <a:endParaRPr lang="en-US" altLang="ko-KR" dirty="0" smtClean="0">
-              <a:solidFill>
-                <a:srgbClr val="C00000"/>
-              </a:solidFill>
-            </a:endParaRPr>
-          </a:p>
-          <a:p>
-            <a:pPr>
-              <a:lnSpc>
-                <a:spcPct val="150000"/>
-              </a:lnSpc>
-            </a:pPr>
-            <a:r>
-              <a:rPr lang="en-US" altLang="ko-KR" dirty="0" smtClean="0"/>
-              <a:t>]</a:t>
-            </a:r>
-          </a:p>
-        </p:txBody>
-      </p:sp>
+      </p:pic>
     </p:spTree>
     <p:extLst>
       <p:ext uri="{BB962C8B-B14F-4D97-AF65-F5344CB8AC3E}">
-        <p14:creationId xmlns:p14="http://schemas.microsoft.com/office/powerpoint/2010/main" val="1336247743"/>
+        <p14:creationId xmlns:p14="http://schemas.microsoft.com/office/powerpoint/2010/main" val="305119709"/>
       </p:ext>
     </p:extLst>
   </p:cSld>
@@ -5990,7 +6053,7 @@
       </p:sp>
       <p:pic>
         <p:nvPicPr>
-          <p:cNvPr id="5" name="그림 4"/>
+          <p:cNvPr id="3" name="그림 2"/>
           <p:cNvPicPr>
             <a:picLocks noChangeAspect="1"/>
           </p:cNvPicPr>
@@ -6010,8 +6073,8 @@
         </p:blipFill>
         <p:spPr>
           <a:xfrm>
-            <a:off x="1618961" y="1670206"/>
-            <a:ext cx="6668078" cy="4999154"/>
+            <a:off x="1496616" y="1848599"/>
+            <a:ext cx="6500423" cy="4038950"/>
           </a:xfrm>
           <a:prstGeom prst="rect">
             <a:avLst/>
@@ -6146,35 +6209,23 @@
             </a:pPr>
             <a:r>
               <a:rPr lang="en-US" altLang="ko-KR" dirty="0"/>
-              <a:t>4</a:t>
+              <a:t>6</a:t>
             </a:r>
             <a:r>
               <a:rPr lang="en-US" altLang="ko-KR" dirty="0" smtClean="0"/>
               <a:t>. </a:t>
             </a:r>
             <a:r>
-              <a:rPr lang="en-US" altLang="ko-KR" dirty="0" err="1" smtClean="0"/>
-              <a:t>commentForm</a:t>
+              <a:rPr lang="ko-KR" altLang="en-US" dirty="0" smtClean="0"/>
+              <a:t>댓글 </a:t>
+            </a:r>
+            <a:r>
+              <a:rPr lang="ko-KR" altLang="en-US" dirty="0" smtClean="0"/>
+              <a:t>출력 </a:t>
             </a:r>
             <a:r>
               <a:rPr lang="en-US" altLang="ko-KR" dirty="0" smtClean="0"/>
-              <a:t> </a:t>
-            </a:r>
-            <a:r>
-              <a:rPr lang="ko-KR" altLang="en-US" dirty="0" smtClean="0"/>
-              <a:t>생</a:t>
-            </a:r>
-            <a:r>
-              <a:rPr lang="ko-KR" altLang="en-US" dirty="0"/>
-              <a:t>성</a:t>
-            </a:r>
-            <a:r>
-              <a:rPr lang="ko-KR" altLang="en-US" dirty="0" smtClean="0"/>
-              <a:t> </a:t>
-            </a:r>
-            <a:r>
-              <a:rPr lang="en-US" altLang="ko-KR" dirty="0" smtClean="0"/>
-              <a:t>– blog/forms.html</a:t>
+              <a:t>– blog/post_detail.html</a:t>
             </a:r>
           </a:p>
         </p:txBody>
@@ -6201,8 +6252,8 @@
         </p:blipFill>
         <p:spPr>
           <a:xfrm>
-            <a:off x="1640632" y="1988840"/>
-            <a:ext cx="5159887" cy="2304256"/>
+            <a:off x="1352600" y="1853216"/>
+            <a:ext cx="7628281" cy="4176122"/>
           </a:xfrm>
           <a:prstGeom prst="rect">
             <a:avLst/>
@@ -6219,7 +6270,7 @@
     </p:spTree>
     <p:extLst>
       <p:ext uri="{BB962C8B-B14F-4D97-AF65-F5344CB8AC3E}">
-        <p14:creationId xmlns:p14="http://schemas.microsoft.com/office/powerpoint/2010/main" val="305119709"/>
+        <p14:creationId xmlns:p14="http://schemas.microsoft.com/office/powerpoint/2010/main" val="123656740"/>
       </p:ext>
     </p:extLst>
   </p:cSld>
@@ -6503,8 +6554,8 @@
         </p:nvSpPr>
         <p:spPr>
           <a:xfrm>
-            <a:off x="1208584" y="1316379"/>
-            <a:ext cx="6552728" cy="507831"/>
+            <a:off x="1064568" y="1338894"/>
+            <a:ext cx="1512168" cy="507831"/>
           </a:xfrm>
           <a:prstGeom prst="rect">
             <a:avLst/>
@@ -6523,28 +6574,8 @@
               </a:lnSpc>
             </a:pPr>
             <a:r>
-              <a:rPr lang="en-US" altLang="ko-KR" dirty="0"/>
-              <a:t>5</a:t>
-            </a:r>
-            <a:r>
               <a:rPr lang="en-US" altLang="ko-KR" dirty="0" smtClean="0"/>
-              <a:t>. </a:t>
-            </a:r>
-            <a:r>
-              <a:rPr lang="ko-KR" altLang="en-US" dirty="0" smtClean="0"/>
-              <a:t>템플릿 </a:t>
-            </a:r>
-            <a:r>
-              <a:rPr lang="ko-KR" altLang="en-US" dirty="0" err="1" smtClean="0"/>
-              <a:t>댓글</a:t>
-            </a:r>
-            <a:r>
-              <a:rPr lang="ko-KR" altLang="en-US" dirty="0" smtClean="0"/>
-              <a:t> 등록 폼 </a:t>
-            </a:r>
-            <a:r>
-              <a:rPr lang="en-US" altLang="ko-KR" dirty="0" smtClean="0"/>
-              <a:t>– blog/comment_form.html</a:t>
+              <a:t>style.css</a:t>
             </a:r>
           </a:p>
         </p:txBody>
@@ -6571,8 +6602,8 @@
         </p:blipFill>
         <p:spPr>
           <a:xfrm>
-            <a:off x="1568624" y="1916832"/>
-            <a:ext cx="5616624" cy="3456384"/>
+            <a:off x="1280592" y="2132883"/>
+            <a:ext cx="4320914" cy="1165961"/>
           </a:xfrm>
           <a:prstGeom prst="rect">
             <a:avLst/>
@@ -6589,7 +6620,7 @@
     </p:spTree>
     <p:extLst>
       <p:ext uri="{BB962C8B-B14F-4D97-AF65-F5344CB8AC3E}">
-        <p14:creationId xmlns:p14="http://schemas.microsoft.com/office/powerpoint/2010/main" val="362761270"/>
+        <p14:creationId xmlns:p14="http://schemas.microsoft.com/office/powerpoint/2010/main" val="2438304302"/>
       </p:ext>
     </p:extLst>
   </p:cSld>
@@ -6645,13 +6676,26 @@
               <a:t> </a:t>
             </a:r>
             <a:r>
+              <a:rPr lang="ko-KR" altLang="en-US" dirty="0" err="1" smtClean="0"/>
+              <a:t>댓</a:t>
+            </a:r>
+            <a:r>
               <a:rPr lang="ko-KR" altLang="en-US" dirty="0" err="1"/>
-              <a:t>댓글</a:t>
+              <a:t>글</a:t>
+            </a:r>
+            <a:r>
+              <a:rPr lang="ko-KR" altLang="en-US" dirty="0" smtClean="0"/>
+              <a:t> 삭</a:t>
             </a:r>
             <a:r>
               <a:rPr lang="ko-KR" altLang="en-US" dirty="0"/>
-              <a:t> 등록하기</a:t>
-            </a:r>
+              <a:t>제</a:t>
+            </a:r>
+            <a:r>
+              <a:rPr lang="ko-KR" altLang="en-US" dirty="0" smtClean="0"/>
+              <a:t>하기</a:t>
+            </a:r>
+            <a:endParaRPr lang="ko-KR" altLang="en-US" dirty="0"/>
           </a:p>
         </p:txBody>
       </p:sp>
@@ -6674,79 +6718,13 @@
               <a:rPr lang="ko-KR" altLang="en-US" smtClean="0"/>
               <a:t>21</a:t>
             </a:fld>
-            <a:endParaRPr lang="ko-KR" altLang="en-US"/>
-          </a:p>
-        </p:txBody>
-      </p:sp>
-      <p:sp>
-        <p:nvSpPr>
-          <p:cNvPr id="6" name="TextBox 5"/>
-          <p:cNvSpPr txBox="1"/>
-          <p:nvPr/>
-        </p:nvSpPr>
-        <p:spPr>
-          <a:xfrm>
-            <a:off x="1208584" y="1316379"/>
-            <a:ext cx="6552728" cy="507831"/>
-          </a:xfrm>
-          <a:prstGeom prst="rect">
-            <a:avLst/>
-          </a:prstGeom>
-          <a:noFill/>
-        </p:spPr>
-        <p:txBody>
-          <a:bodyPr wrap="square" rtlCol="0">
-            <a:spAutoFit/>
-          </a:bodyPr>
-          <a:lstStyle/>
-          <a:p>
-            <a:pPr>
-              <a:lnSpc>
-                <a:spcPct val="150000"/>
-              </a:lnSpc>
-            </a:pPr>
-            <a:r>
-              <a:rPr lang="en-US" altLang="ko-KR" dirty="0"/>
-              <a:t>6</a:t>
-            </a:r>
-            <a:r>
-              <a:rPr lang="en-US" altLang="ko-KR" dirty="0" smtClean="0"/>
-              <a:t>. </a:t>
-            </a:r>
-            <a:r>
-              <a:rPr lang="ko-KR" altLang="en-US" dirty="0" err="1" smtClean="0"/>
-              <a:t>댓글</a:t>
-            </a:r>
-            <a:r>
-              <a:rPr lang="ko-KR" altLang="en-US" dirty="0" smtClean="0"/>
-              <a:t> 내용</a:t>
-            </a:r>
-            <a:r>
-              <a:rPr lang="en-US" altLang="ko-KR" dirty="0" smtClean="0"/>
-              <a:t>, </a:t>
-            </a:r>
-            <a:r>
-              <a:rPr lang="ko-KR" altLang="en-US" dirty="0" smtClean="0"/>
-              <a:t>글쓴이</a:t>
-            </a:r>
-            <a:r>
-              <a:rPr lang="en-US" altLang="ko-KR" dirty="0" smtClean="0"/>
-              <a:t>, </a:t>
-            </a:r>
-            <a:r>
-              <a:rPr lang="ko-KR" altLang="en-US" dirty="0" smtClean="0"/>
-              <a:t>작성일 출력 </a:t>
-            </a:r>
-            <a:r>
-              <a:rPr lang="en-US" altLang="ko-KR" dirty="0" smtClean="0"/>
-              <a:t>– blog/post_detail.html</a:t>
-            </a:r>
+            <a:endParaRPr lang="ko-KR" altLang="en-US" dirty="0"/>
           </a:p>
         </p:txBody>
       </p:sp>
       <p:pic>
         <p:nvPicPr>
-          <p:cNvPr id="5" name="그림 4"/>
+          <p:cNvPr id="3" name="그림 2"/>
           <p:cNvPicPr>
             <a:picLocks noChangeAspect="1"/>
           </p:cNvPicPr>
@@ -6766,8 +6744,8 @@
         </p:blipFill>
         <p:spPr>
           <a:xfrm>
-            <a:off x="1424608" y="1851188"/>
-            <a:ext cx="6860636" cy="4608512"/>
+            <a:off x="1280592" y="1362879"/>
+            <a:ext cx="6688485" cy="5112568"/>
           </a:xfrm>
           <a:prstGeom prst="rect">
             <a:avLst/>
@@ -6784,7 +6762,7 @@
     </p:spTree>
     <p:extLst>
       <p:ext uri="{BB962C8B-B14F-4D97-AF65-F5344CB8AC3E}">
-        <p14:creationId xmlns:p14="http://schemas.microsoft.com/office/powerpoint/2010/main" val="123656740"/>
+        <p14:creationId xmlns:p14="http://schemas.microsoft.com/office/powerpoint/2010/main" val="1407482625"/>
       </p:ext>
     </p:extLst>
   </p:cSld>
@@ -6840,13 +6818,14 @@
               <a:t> </a:t>
             </a:r>
             <a:r>
-              <a:rPr lang="ko-KR" altLang="en-US" dirty="0" err="1"/>
+              <a:rPr lang="ko-KR" altLang="en-US" dirty="0" err="1" smtClean="0"/>
               <a:t>댓글</a:t>
             </a:r>
             <a:r>
-              <a:rPr lang="ko-KR" altLang="en-US" dirty="0"/>
-              <a:t> 등록하기</a:t>
-            </a:r>
+              <a:rPr lang="ko-KR" altLang="en-US" dirty="0" smtClean="0"/>
+              <a:t> 삭제하기 </a:t>
+            </a:r>
+            <a:endParaRPr lang="ko-KR" altLang="en-US" dirty="0"/>
           </a:p>
         </p:txBody>
       </p:sp>
@@ -6868,312 +6847,6 @@
             <a:fld id="{1BDE3FE7-3AEA-4B05-AC5A-802D1816ACF0}" type="slidenum">
               <a:rPr lang="ko-KR" altLang="en-US" smtClean="0"/>
               <a:t>22</a:t>
-            </a:fld>
-            <a:endParaRPr lang="ko-KR" altLang="en-US"/>
-          </a:p>
-        </p:txBody>
-      </p:sp>
-      <p:sp>
-        <p:nvSpPr>
-          <p:cNvPr id="6" name="TextBox 5"/>
-          <p:cNvSpPr txBox="1"/>
-          <p:nvPr/>
-        </p:nvSpPr>
-        <p:spPr>
-          <a:xfrm>
-            <a:off x="1064568" y="1338894"/>
-            <a:ext cx="1512168" cy="507831"/>
-          </a:xfrm>
-          <a:prstGeom prst="rect">
-            <a:avLst/>
-          </a:prstGeom>
-          <a:noFill/>
-        </p:spPr>
-        <p:txBody>
-          <a:bodyPr wrap="square" rtlCol="0">
-            <a:spAutoFit/>
-          </a:bodyPr>
-          <a:lstStyle/>
-          <a:p>
-            <a:pPr>
-              <a:lnSpc>
-                <a:spcPct val="150000"/>
-              </a:lnSpc>
-            </a:pPr>
-            <a:r>
-              <a:rPr lang="en-US" altLang="ko-KR" dirty="0" smtClean="0"/>
-              <a:t>style.css</a:t>
-            </a:r>
-          </a:p>
-        </p:txBody>
-      </p:sp>
-      <p:pic>
-        <p:nvPicPr>
-          <p:cNvPr id="3" name="그림 2"/>
-          <p:cNvPicPr>
-            <a:picLocks noChangeAspect="1"/>
-          </p:cNvPicPr>
-          <p:nvPr/>
-        </p:nvPicPr>
-        <p:blipFill>
-          <a:blip r:embed="rId2">
-            <a:extLst>
-              <a:ext uri="{28A0092B-C50C-407E-A947-70E740481C1C}">
-                <a14:useLocalDpi xmlns:a14="http://schemas.microsoft.com/office/drawing/2010/main" val="0"/>
-              </a:ext>
-            </a:extLst>
-          </a:blip>
-          <a:stretch>
-            <a:fillRect/>
-          </a:stretch>
-        </p:blipFill>
-        <p:spPr>
-          <a:xfrm>
-            <a:off x="1064568" y="1988840"/>
-            <a:ext cx="8117518" cy="1296144"/>
-          </a:xfrm>
-          <a:prstGeom prst="rect">
-            <a:avLst/>
-          </a:prstGeom>
-          <a:ln>
-            <a:solidFill>
-              <a:schemeClr val="bg1">
-                <a:lumMod val="85000"/>
-              </a:schemeClr>
-            </a:solidFill>
-          </a:ln>
-        </p:spPr>
-      </p:pic>
-    </p:spTree>
-    <p:extLst>
-      <p:ext uri="{BB962C8B-B14F-4D97-AF65-F5344CB8AC3E}">
-        <p14:creationId xmlns:p14="http://schemas.microsoft.com/office/powerpoint/2010/main" val="2438304302"/>
-      </p:ext>
-    </p:extLst>
-  </p:cSld>
-  <p:clrMapOvr>
-    <a:masterClrMapping/>
-  </p:clrMapOvr>
-  <p:timing>
-    <p:tnLst>
-      <p:par>
-        <p:cTn id="1" dur="indefinite" restart="never" nodeType="tmRoot"/>
-      </p:par>
-    </p:tnLst>
-  </p:timing>
-</p:sld>
-</file>
-
-<file path=ppt/slides/slide23.xml><?xml version="1.0" encoding="utf-8"?>
-<p:sld xmlns:a="http://schemas.openxmlformats.org/drawingml/2006/main" xmlns:r="http://schemas.openxmlformats.org/officeDocument/2006/relationships" xmlns:p="http://schemas.openxmlformats.org/presentationml/2006/main">
-  <p:cSld>
-    <p:spTree>
-      <p:nvGrpSpPr>
-        <p:cNvPr id="1" name=""/>
-        <p:cNvGrpSpPr/>
-        <p:nvPr/>
-      </p:nvGrpSpPr>
-      <p:grpSpPr>
-        <a:xfrm>
-          <a:off x="0" y="0"/>
-          <a:ext cx="0" cy="0"/>
-          <a:chOff x="0" y="0"/>
-          <a:chExt cx="0" cy="0"/>
-        </a:xfrm>
-      </p:grpSpPr>
-      <p:sp>
-        <p:nvSpPr>
-          <p:cNvPr id="2" name="제목 1"/>
-          <p:cNvSpPr>
-            <a:spLocks noGrp="1"/>
-          </p:cNvSpPr>
-          <p:nvPr>
-            <p:ph type="title"/>
-          </p:nvPr>
-        </p:nvSpPr>
-        <p:spPr/>
-        <p:txBody>
-          <a:bodyPr>
-            <a:normAutofit/>
-          </a:bodyPr>
-          <a:lstStyle/>
-          <a:p>
-            <a:r>
-              <a:rPr lang="en-US" altLang="ko-KR" dirty="0"/>
-              <a:t> </a:t>
-            </a:r>
-            <a:r>
-              <a:rPr lang="ko-KR" altLang="en-US" dirty="0" err="1" smtClean="0"/>
-              <a:t>댓</a:t>
-            </a:r>
-            <a:r>
-              <a:rPr lang="ko-KR" altLang="en-US" dirty="0" err="1"/>
-              <a:t>글</a:t>
-            </a:r>
-            <a:r>
-              <a:rPr lang="ko-KR" altLang="en-US" dirty="0" smtClean="0"/>
-              <a:t> 삭</a:t>
-            </a:r>
-            <a:r>
-              <a:rPr lang="ko-KR" altLang="en-US" dirty="0"/>
-              <a:t>제</a:t>
-            </a:r>
-            <a:r>
-              <a:rPr lang="ko-KR" altLang="en-US" dirty="0" smtClean="0"/>
-              <a:t>하기</a:t>
-            </a:r>
-            <a:endParaRPr lang="ko-KR" altLang="en-US" dirty="0"/>
-          </a:p>
-        </p:txBody>
-      </p:sp>
-      <p:sp>
-        <p:nvSpPr>
-          <p:cNvPr id="4" name="슬라이드 번호 개체 틀 3"/>
-          <p:cNvSpPr>
-            <a:spLocks noGrp="1"/>
-          </p:cNvSpPr>
-          <p:nvPr>
-            <p:ph type="sldNum" sz="quarter" idx="12"/>
-          </p:nvPr>
-        </p:nvSpPr>
-        <p:spPr/>
-        <p:txBody>
-          <a:bodyPr/>
-          <a:lstStyle/>
-          <a:p>
-            <a:fld id="{1BDE3FE7-3AEA-4B05-AC5A-802D1816ACF0}" type="slidenum">
-              <a:rPr lang="ko-KR" altLang="en-US" smtClean="0"/>
-              <a:t>23</a:t>
-            </a:fld>
-            <a:endParaRPr lang="ko-KR" altLang="en-US" dirty="0"/>
-          </a:p>
-        </p:txBody>
-      </p:sp>
-      <p:pic>
-        <p:nvPicPr>
-          <p:cNvPr id="5" name="그림 4"/>
-          <p:cNvPicPr>
-            <a:picLocks noChangeAspect="1"/>
-          </p:cNvPicPr>
-          <p:nvPr/>
-        </p:nvPicPr>
-        <p:blipFill>
-          <a:blip r:embed="rId2">
-            <a:extLst>
-              <a:ext uri="{28A0092B-C50C-407E-A947-70E740481C1C}">
-                <a14:useLocalDpi xmlns:a14="http://schemas.microsoft.com/office/drawing/2010/main" val="0"/>
-              </a:ext>
-            </a:extLst>
-          </a:blip>
-          <a:stretch>
-            <a:fillRect/>
-          </a:stretch>
-        </p:blipFill>
-        <p:spPr>
-          <a:xfrm>
-            <a:off x="1568624" y="1340768"/>
-            <a:ext cx="5483197" cy="4752528"/>
-          </a:xfrm>
-          <a:prstGeom prst="rect">
-            <a:avLst/>
-          </a:prstGeom>
-          <a:ln>
-            <a:solidFill>
-              <a:schemeClr val="bg1">
-                <a:lumMod val="85000"/>
-              </a:schemeClr>
-            </a:solidFill>
-          </a:ln>
-        </p:spPr>
-      </p:pic>
-    </p:spTree>
-    <p:extLst>
-      <p:ext uri="{BB962C8B-B14F-4D97-AF65-F5344CB8AC3E}">
-        <p14:creationId xmlns:p14="http://schemas.microsoft.com/office/powerpoint/2010/main" val="1407482625"/>
-      </p:ext>
-    </p:extLst>
-  </p:cSld>
-  <p:clrMapOvr>
-    <a:masterClrMapping/>
-  </p:clrMapOvr>
-  <p:timing>
-    <p:tnLst>
-      <p:par>
-        <p:cTn id="1" dur="indefinite" restart="never" nodeType="tmRoot"/>
-      </p:par>
-    </p:tnLst>
-  </p:timing>
-</p:sld>
-</file>
-
-<file path=ppt/slides/slide24.xml><?xml version="1.0" encoding="utf-8"?>
-<p:sld xmlns:a="http://schemas.openxmlformats.org/drawingml/2006/main" xmlns:r="http://schemas.openxmlformats.org/officeDocument/2006/relationships" xmlns:p="http://schemas.openxmlformats.org/presentationml/2006/main">
-  <p:cSld>
-    <p:spTree>
-      <p:nvGrpSpPr>
-        <p:cNvPr id="1" name=""/>
-        <p:cNvGrpSpPr/>
-        <p:nvPr/>
-      </p:nvGrpSpPr>
-      <p:grpSpPr>
-        <a:xfrm>
-          <a:off x="0" y="0"/>
-          <a:ext cx="0" cy="0"/>
-          <a:chOff x="0" y="0"/>
-          <a:chExt cx="0" cy="0"/>
-        </a:xfrm>
-      </p:grpSpPr>
-      <p:sp>
-        <p:nvSpPr>
-          <p:cNvPr id="2" name="제목 1"/>
-          <p:cNvSpPr>
-            <a:spLocks noGrp="1"/>
-          </p:cNvSpPr>
-          <p:nvPr>
-            <p:ph type="title"/>
-          </p:nvPr>
-        </p:nvSpPr>
-        <p:spPr/>
-        <p:txBody>
-          <a:bodyPr>
-            <a:normAutofit/>
-          </a:bodyPr>
-          <a:lstStyle/>
-          <a:p>
-            <a:r>
-              <a:rPr lang="en-US" altLang="ko-KR" dirty="0"/>
-              <a:t> </a:t>
-            </a:r>
-            <a:r>
-              <a:rPr lang="ko-KR" altLang="en-US" dirty="0" err="1" smtClean="0"/>
-              <a:t>댓글</a:t>
-            </a:r>
-            <a:r>
-              <a:rPr lang="ko-KR" altLang="en-US" dirty="0" smtClean="0"/>
-              <a:t> 삭제하기 </a:t>
-            </a:r>
-            <a:endParaRPr lang="ko-KR" altLang="en-US" dirty="0"/>
-          </a:p>
-        </p:txBody>
-      </p:sp>
-      <p:sp>
-        <p:nvSpPr>
-          <p:cNvPr id="4" name="슬라이드 번호 개체 틀 3"/>
-          <p:cNvSpPr>
-            <a:spLocks noGrp="1"/>
-          </p:cNvSpPr>
-          <p:nvPr>
-            <p:ph type="sldNum" sz="quarter" idx="12"/>
-          </p:nvPr>
-        </p:nvSpPr>
-        <p:spPr/>
-        <p:txBody>
-          <a:bodyPr/>
-          <a:lstStyle/>
-          <a:p>
-            <a:fld id="{1BDE3FE7-3AEA-4B05-AC5A-802D1816ACF0}" type="slidenum">
-              <a:rPr lang="ko-KR" altLang="en-US" smtClean="0"/>
-              <a:t>24</a:t>
             </a:fld>
             <a:endParaRPr lang="ko-KR" altLang="en-US"/>
           </a:p>
@@ -7306,7 +6979,7 @@
 </p:sld>
 </file>
 
-<file path=ppt/slides/slide25.xml><?xml version="1.0" encoding="utf-8"?>
+<file path=ppt/slides/slide23.xml><?xml version="1.0" encoding="utf-8"?>
 <p:sld xmlns:a="http://schemas.openxmlformats.org/drawingml/2006/main" xmlns:r="http://schemas.openxmlformats.org/officeDocument/2006/relationships" xmlns:p="http://schemas.openxmlformats.org/presentationml/2006/main">
   <p:cSld>
     <p:spTree>
@@ -7372,7 +7045,7 @@
           <a:p>
             <a:fld id="{1BDE3FE7-3AEA-4B05-AC5A-802D1816ACF0}" type="slidenum">
               <a:rPr lang="ko-KR" altLang="en-US" smtClean="0"/>
-              <a:t>25</a:t>
+              <a:t>23</a:t>
             </a:fld>
             <a:endParaRPr lang="ko-KR" altLang="en-US" dirty="0"/>
           </a:p>
@@ -7543,7 +7216,7 @@
                   <a:srgbClr val="C00000"/>
                 </a:solidFill>
               </a:rPr>
-              <a:t>int:pk</a:t>
+              <a:t>int:comment_id</a:t>
             </a:r>
             <a:r>
               <a:rPr lang="en-US" altLang="ko-KR" dirty="0">
@@ -7606,7 +7279,15 @@
                   <a:srgbClr val="C00000"/>
                 </a:solidFill>
               </a:rPr>
-              <a:t>                                                 name</a:t>
+              <a:t>                                          </a:t>
+            </a:r>
+            <a:r>
+              <a:rPr lang="en-US" altLang="ko-KR" dirty="0" smtClean="0">
+                <a:solidFill>
+                  <a:srgbClr val="C00000"/>
+                </a:solidFill>
+              </a:rPr>
+              <a:t>name</a:t>
             </a:r>
             <a:r>
               <a:rPr lang="en-US" altLang="ko-KR" dirty="0">
@@ -7666,7 +7347,7 @@
 </p:sld>
 </file>
 
-<file path=ppt/slides/slide26.xml><?xml version="1.0" encoding="utf-8"?>
+<file path=ppt/slides/slide24.xml><?xml version="1.0" encoding="utf-8"?>
 <p:sld xmlns:a="http://schemas.openxmlformats.org/drawingml/2006/main" xmlns:r="http://schemas.openxmlformats.org/officeDocument/2006/relationships" xmlns:p="http://schemas.openxmlformats.org/presentationml/2006/main">
   <p:cSld>
     <p:spTree>
@@ -7732,7 +7413,7 @@
           <a:p>
             <a:fld id="{1BDE3FE7-3AEA-4B05-AC5A-802D1816ACF0}" type="slidenum">
               <a:rPr lang="ko-KR" altLang="en-US" smtClean="0"/>
-              <a:t>26</a:t>
+              <a:t>24</a:t>
             </a:fld>
             <a:endParaRPr lang="ko-KR" altLang="en-US"/>
           </a:p>
@@ -7794,7 +7475,7 @@
       </p:sp>
       <p:pic>
         <p:nvPicPr>
-          <p:cNvPr id="3" name="그림 2"/>
+          <p:cNvPr id="5" name="그림 4"/>
           <p:cNvPicPr>
             <a:picLocks noChangeAspect="1"/>
           </p:cNvPicPr>
@@ -7814,8 +7495,8 @@
         </p:blipFill>
         <p:spPr>
           <a:xfrm>
-            <a:off x="1424744" y="2060848"/>
-            <a:ext cx="6612733" cy="2088232"/>
+            <a:off x="1424608" y="2132856"/>
+            <a:ext cx="6683319" cy="2027096"/>
           </a:xfrm>
           <a:prstGeom prst="rect">
             <a:avLst/>
@@ -7849,7 +7530,7 @@
 </p:sld>
 </file>
 
-<file path=ppt/slides/slide27.xml><?xml version="1.0" encoding="utf-8"?>
+<file path=ppt/slides/slide25.xml><?xml version="1.0" encoding="utf-8"?>
 <p:sld xmlns:a="http://schemas.openxmlformats.org/drawingml/2006/main" xmlns:r="http://schemas.openxmlformats.org/officeDocument/2006/relationships" xmlns:p="http://schemas.openxmlformats.org/presentationml/2006/main">
   <p:cSld>
     <p:spTree>
@@ -7915,7 +7596,7 @@
           <a:p>
             <a:fld id="{1BDE3FE7-3AEA-4B05-AC5A-802D1816ACF0}" type="slidenum">
               <a:rPr lang="ko-KR" altLang="en-US" smtClean="0"/>
-              <a:t>27</a:t>
+              <a:t>25</a:t>
             </a:fld>
             <a:endParaRPr lang="ko-KR" altLang="en-US"/>
           </a:p>
@@ -8017,7 +7698,7 @@
 </p:sld>
 </file>
 
-<file path=ppt/slides/slide28.xml><?xml version="1.0" encoding="utf-8"?>
+<file path=ppt/slides/slide26.xml><?xml version="1.0" encoding="utf-8"?>
 <p:sld xmlns:a="http://schemas.openxmlformats.org/drawingml/2006/main" xmlns:r="http://schemas.openxmlformats.org/officeDocument/2006/relationships" xmlns:p="http://schemas.openxmlformats.org/presentationml/2006/main">
   <p:cSld>
     <p:spTree>
@@ -8096,7 +7777,7 @@
           <a:p>
             <a:fld id="{1BDE3FE7-3AEA-4B05-AC5A-802D1816ACF0}" type="slidenum">
               <a:rPr lang="ko-KR" altLang="en-US" smtClean="0"/>
-              <a:t>28</a:t>
+              <a:t>26</a:t>
             </a:fld>
             <a:endParaRPr lang="ko-KR" altLang="en-US" dirty="0"/>
           </a:p>
@@ -8104,7 +7785,7 @@
       </p:sp>
       <p:pic>
         <p:nvPicPr>
-          <p:cNvPr id="3" name="그림 2"/>
+          <p:cNvPr id="6" name="그림 5"/>
           <p:cNvPicPr>
             <a:picLocks noChangeAspect="1"/>
           </p:cNvPicPr>
@@ -8124,45 +7805,8 @@
         </p:blipFill>
         <p:spPr>
           <a:xfrm>
-            <a:off x="1280592" y="1484784"/>
-            <a:ext cx="4636057" cy="4104456"/>
-          </a:xfrm>
-          <a:prstGeom prst="rect">
-            <a:avLst/>
-          </a:prstGeom>
-          <a:ln>
-            <a:solidFill>
-              <a:schemeClr val="bg1">
-                <a:lumMod val="85000"/>
-              </a:schemeClr>
-            </a:solidFill>
-          </a:ln>
-        </p:spPr>
-      </p:pic>
-      <p:pic>
-        <p:nvPicPr>
-          <p:cNvPr id="5" name="그림 4"/>
-          <p:cNvPicPr>
-            <a:picLocks noChangeAspect="1"/>
-          </p:cNvPicPr>
-          <p:nvPr/>
-        </p:nvPicPr>
-        <p:blipFill>
-          <a:blip r:embed="rId3">
-            <a:extLst>
-              <a:ext uri="{28A0092B-C50C-407E-A947-70E740481C1C}">
-                <a14:useLocalDpi xmlns:a14="http://schemas.microsoft.com/office/drawing/2010/main" val="0"/>
-              </a:ext>
-            </a:extLst>
-          </a:blip>
-          <a:stretch>
-            <a:fillRect/>
-          </a:stretch>
-        </p:blipFill>
-        <p:spPr>
-          <a:xfrm>
-            <a:off x="5601072" y="1916830"/>
-            <a:ext cx="3538225" cy="2669805"/>
+            <a:off x="825546" y="1844824"/>
+            <a:ext cx="8306520" cy="2827265"/>
           </a:xfrm>
           <a:prstGeom prst="rect">
             <a:avLst/>
@@ -8196,7 +7840,7 @@
 </p:sld>
 </file>
 
-<file path=ppt/slides/slide29.xml><?xml version="1.0" encoding="utf-8"?>
+<file path=ppt/slides/slide27.xml><?xml version="1.0" encoding="utf-8"?>
 <p:sld xmlns:a="http://schemas.openxmlformats.org/drawingml/2006/main" xmlns:r="http://schemas.openxmlformats.org/officeDocument/2006/relationships" xmlns:p="http://schemas.openxmlformats.org/presentationml/2006/main">
   <p:cSld>
     <p:spTree>
@@ -8275,7 +7919,7 @@
           <a:p>
             <a:fld id="{1BDE3FE7-3AEA-4B05-AC5A-802D1816ACF0}" type="slidenum">
               <a:rPr lang="ko-KR" altLang="en-US" smtClean="0"/>
-              <a:t>29</a:t>
+              <a:t>27</a:t>
             </a:fld>
             <a:endParaRPr lang="ko-KR" altLang="en-US" dirty="0"/>
           </a:p>
@@ -8361,7 +8005,7 @@
         <p:spPr>
           <a:xfrm>
             <a:off x="1280592" y="2132856"/>
-            <a:ext cx="7632848" cy="2169825"/>
+            <a:ext cx="7848872" cy="2169825"/>
           </a:xfrm>
           <a:prstGeom prst="rect">
             <a:avLst/>
@@ -8441,15 +8085,23 @@
               <a:t>(‘comment/modify/&lt;</a:t>
             </a:r>
             <a:r>
-              <a:rPr lang="en-US" altLang="ko-KR" dirty="0" err="1">
+              <a:rPr lang="en-US" altLang="ko-KR" dirty="0" err="1" smtClean="0">
                 <a:solidFill>
                   <a:srgbClr val="C00000"/>
                 </a:solidFill>
               </a:rPr>
-              <a:t>int:pk</a:t>
-            </a:r>
-            <a:r>
-              <a:rPr lang="en-US" altLang="ko-KR" dirty="0">
+              <a:t>int</a:t>
+            </a:r>
+            <a:r>
+              <a:rPr lang="en-US" altLang="ko-KR" dirty="0" err="1" smtClean="0">
+                <a:solidFill>
+                  <a:srgbClr val="C00000"/>
+                </a:solidFill>
+              </a:rPr>
+              <a:t>:comment_id</a:t>
+            </a:r>
+            <a:r>
+              <a:rPr lang="en-US" altLang="ko-KR" dirty="0" smtClean="0">
                 <a:solidFill>
                   <a:srgbClr val="C00000"/>
                 </a:solidFill>
@@ -8514,7 +8166,15 @@
                   <a:srgbClr val="C00000"/>
                 </a:solidFill>
               </a:rPr>
-              <a:t>                                                 name</a:t>
+              <a:t>                                            </a:t>
+            </a:r>
+            <a:r>
+              <a:rPr lang="en-US" altLang="ko-KR" dirty="0" smtClean="0">
+                <a:solidFill>
+                  <a:srgbClr val="C00000"/>
+                </a:solidFill>
+              </a:rPr>
+              <a:t>name</a:t>
             </a:r>
             <a:r>
               <a:rPr lang="en-US" altLang="ko-KR" dirty="0">
@@ -8563,6 +8223,202 @@
     <p:extLst>
       <p:ext uri="{BB962C8B-B14F-4D97-AF65-F5344CB8AC3E}">
         <p14:creationId xmlns:p14="http://schemas.microsoft.com/office/powerpoint/2010/main" val="2958120314"/>
+      </p:ext>
+    </p:extLst>
+  </p:cSld>
+  <p:clrMapOvr>
+    <a:masterClrMapping/>
+  </p:clrMapOvr>
+  <p:timing>
+    <p:tnLst>
+      <p:par>
+        <p:cTn id="1" dur="indefinite" restart="never" nodeType="tmRoot"/>
+      </p:par>
+    </p:tnLst>
+  </p:timing>
+</p:sld>
+</file>
+
+<file path=ppt/slides/slide28.xml><?xml version="1.0" encoding="utf-8"?>
+<p:sld xmlns:a="http://schemas.openxmlformats.org/drawingml/2006/main" xmlns:r="http://schemas.openxmlformats.org/officeDocument/2006/relationships" xmlns:p="http://schemas.openxmlformats.org/presentationml/2006/main">
+  <p:cSld>
+    <p:spTree>
+      <p:nvGrpSpPr>
+        <p:cNvPr id="1" name=""/>
+        <p:cNvGrpSpPr/>
+        <p:nvPr/>
+      </p:nvGrpSpPr>
+      <p:grpSpPr>
+        <a:xfrm>
+          <a:off x="0" y="0"/>
+          <a:ext cx="0" cy="0"/>
+          <a:chOff x="0" y="0"/>
+          <a:chExt cx="0" cy="0"/>
+        </a:xfrm>
+      </p:grpSpPr>
+      <p:sp>
+        <p:nvSpPr>
+          <p:cNvPr id="2" name="제목 1"/>
+          <p:cNvSpPr>
+            <a:spLocks noGrp="1"/>
+          </p:cNvSpPr>
+          <p:nvPr>
+            <p:ph type="title"/>
+          </p:nvPr>
+        </p:nvSpPr>
+        <p:spPr/>
+        <p:txBody>
+          <a:bodyPr>
+            <a:normAutofit/>
+          </a:bodyPr>
+          <a:lstStyle/>
+          <a:p>
+            <a:r>
+              <a:rPr lang="en-US" altLang="ko-KR" dirty="0"/>
+              <a:t> </a:t>
+            </a:r>
+            <a:r>
+              <a:rPr lang="ko-KR" altLang="en-US" dirty="0" err="1"/>
+              <a:t>댓글</a:t>
+            </a:r>
+            <a:r>
+              <a:rPr lang="ko-KR" altLang="en-US" dirty="0"/>
+              <a:t> </a:t>
+            </a:r>
+            <a:r>
+              <a:rPr lang="ko-KR" altLang="en-US" dirty="0" smtClean="0"/>
+              <a:t>수</a:t>
+            </a:r>
+            <a:r>
+              <a:rPr lang="ko-KR" altLang="en-US" dirty="0"/>
+              <a:t>정</a:t>
+            </a:r>
+            <a:r>
+              <a:rPr lang="ko-KR" altLang="en-US" dirty="0" smtClean="0"/>
+              <a:t>하기</a:t>
+            </a:r>
+            <a:endParaRPr lang="ko-KR" altLang="en-US" dirty="0"/>
+          </a:p>
+        </p:txBody>
+      </p:sp>
+      <p:sp>
+        <p:nvSpPr>
+          <p:cNvPr id="4" name="슬라이드 번호 개체 틀 3"/>
+          <p:cNvSpPr>
+            <a:spLocks noGrp="1"/>
+          </p:cNvSpPr>
+          <p:nvPr>
+            <p:ph type="sldNum" sz="quarter" idx="12"/>
+          </p:nvPr>
+        </p:nvSpPr>
+        <p:spPr/>
+        <p:txBody>
+          <a:bodyPr/>
+          <a:lstStyle/>
+          <a:p>
+            <a:fld id="{1BDE3FE7-3AEA-4B05-AC5A-802D1816ACF0}" type="slidenum">
+              <a:rPr lang="ko-KR" altLang="en-US" smtClean="0"/>
+              <a:t>28</a:t>
+            </a:fld>
+            <a:endParaRPr lang="ko-KR" altLang="en-US"/>
+          </a:p>
+        </p:txBody>
+      </p:sp>
+      <p:sp>
+        <p:nvSpPr>
+          <p:cNvPr id="6" name="TextBox 5"/>
+          <p:cNvSpPr txBox="1"/>
+          <p:nvPr/>
+        </p:nvSpPr>
+        <p:spPr>
+          <a:xfrm>
+            <a:off x="1208584" y="1268760"/>
+            <a:ext cx="6048672" cy="507831"/>
+          </a:xfrm>
+          <a:prstGeom prst="rect">
+            <a:avLst/>
+          </a:prstGeom>
+          <a:noFill/>
+        </p:spPr>
+        <p:txBody>
+          <a:bodyPr wrap="square" rtlCol="0">
+            <a:spAutoFit/>
+          </a:bodyPr>
+          <a:lstStyle/>
+          <a:p>
+            <a:pPr>
+              <a:lnSpc>
+                <a:spcPct val="150000"/>
+              </a:lnSpc>
+            </a:pPr>
+            <a:r>
+              <a:rPr lang="en-US" altLang="ko-KR" dirty="0"/>
+              <a:t>2</a:t>
+            </a:r>
+            <a:r>
+              <a:rPr lang="en-US" altLang="ko-KR" dirty="0" smtClean="0"/>
+              <a:t>. </a:t>
+            </a:r>
+            <a:r>
+              <a:rPr lang="en-US" altLang="ko-KR" dirty="0" err="1" smtClean="0"/>
+              <a:t>comment_modify</a:t>
+            </a:r>
+            <a:r>
+              <a:rPr lang="en-US" altLang="ko-KR" dirty="0" smtClean="0"/>
+              <a:t> </a:t>
+            </a:r>
+            <a:r>
+              <a:rPr lang="ko-KR" altLang="en-US" dirty="0" smtClean="0"/>
+              <a:t>함수 정의 </a:t>
+            </a:r>
+            <a:r>
+              <a:rPr lang="en-US" altLang="ko-KR" dirty="0" smtClean="0"/>
+              <a:t>– blog/views.py</a:t>
+            </a:r>
+          </a:p>
+        </p:txBody>
+      </p:sp>
+      <p:pic>
+        <p:nvPicPr>
+          <p:cNvPr id="3" name="그림 2"/>
+          <p:cNvPicPr>
+            <a:picLocks noChangeAspect="1"/>
+          </p:cNvPicPr>
+          <p:nvPr/>
+        </p:nvPicPr>
+        <p:blipFill>
+          <a:blip r:embed="rId2">
+            <a:extLst>
+              <a:ext uri="{28A0092B-C50C-407E-A947-70E740481C1C}">
+                <a14:useLocalDpi xmlns:a14="http://schemas.microsoft.com/office/drawing/2010/main" val="0"/>
+              </a:ext>
+            </a:extLst>
+          </a:blip>
+          <a:stretch>
+            <a:fillRect/>
+          </a:stretch>
+        </p:blipFill>
+        <p:spPr>
+          <a:xfrm>
+            <a:off x="1424608" y="1844824"/>
+            <a:ext cx="7128792" cy="4668016"/>
+          </a:xfrm>
+          <a:prstGeom prst="rect">
+            <a:avLst/>
+          </a:prstGeom>
+          <a:ln>
+            <a:solidFill>
+              <a:schemeClr val="bg1">
+                <a:lumMod val="85000"/>
+              </a:schemeClr>
+            </a:solidFill>
+          </a:ln>
+        </p:spPr>
+      </p:pic>
+    </p:spTree>
+    <p:extLst>
+      <p:ext uri="{BB962C8B-B14F-4D97-AF65-F5344CB8AC3E}">
+        <p14:creationId xmlns:p14="http://schemas.microsoft.com/office/powerpoint/2010/main" val="2430951611"/>
       </p:ext>
     </p:extLst>
   </p:cSld>
@@ -9846,202 +9702,6 @@
 </p:sld>
 </file>
 
-<file path=ppt/slides/slide30.xml><?xml version="1.0" encoding="utf-8"?>
-<p:sld xmlns:a="http://schemas.openxmlformats.org/drawingml/2006/main" xmlns:r="http://schemas.openxmlformats.org/officeDocument/2006/relationships" xmlns:p="http://schemas.openxmlformats.org/presentationml/2006/main">
-  <p:cSld>
-    <p:spTree>
-      <p:nvGrpSpPr>
-        <p:cNvPr id="1" name=""/>
-        <p:cNvGrpSpPr/>
-        <p:nvPr/>
-      </p:nvGrpSpPr>
-      <p:grpSpPr>
-        <a:xfrm>
-          <a:off x="0" y="0"/>
-          <a:ext cx="0" cy="0"/>
-          <a:chOff x="0" y="0"/>
-          <a:chExt cx="0" cy="0"/>
-        </a:xfrm>
-      </p:grpSpPr>
-      <p:sp>
-        <p:nvSpPr>
-          <p:cNvPr id="2" name="제목 1"/>
-          <p:cNvSpPr>
-            <a:spLocks noGrp="1"/>
-          </p:cNvSpPr>
-          <p:nvPr>
-            <p:ph type="title"/>
-          </p:nvPr>
-        </p:nvSpPr>
-        <p:spPr/>
-        <p:txBody>
-          <a:bodyPr>
-            <a:normAutofit/>
-          </a:bodyPr>
-          <a:lstStyle/>
-          <a:p>
-            <a:r>
-              <a:rPr lang="en-US" altLang="ko-KR" dirty="0"/>
-              <a:t> </a:t>
-            </a:r>
-            <a:r>
-              <a:rPr lang="ko-KR" altLang="en-US" dirty="0" err="1"/>
-              <a:t>댓글</a:t>
-            </a:r>
-            <a:r>
-              <a:rPr lang="ko-KR" altLang="en-US" dirty="0"/>
-              <a:t> </a:t>
-            </a:r>
-            <a:r>
-              <a:rPr lang="ko-KR" altLang="en-US" dirty="0" smtClean="0"/>
-              <a:t>수</a:t>
-            </a:r>
-            <a:r>
-              <a:rPr lang="ko-KR" altLang="en-US" dirty="0"/>
-              <a:t>정</a:t>
-            </a:r>
-            <a:r>
-              <a:rPr lang="ko-KR" altLang="en-US" dirty="0" smtClean="0"/>
-              <a:t>하기</a:t>
-            </a:r>
-            <a:endParaRPr lang="ko-KR" altLang="en-US" dirty="0"/>
-          </a:p>
-        </p:txBody>
-      </p:sp>
-      <p:sp>
-        <p:nvSpPr>
-          <p:cNvPr id="4" name="슬라이드 번호 개체 틀 3"/>
-          <p:cNvSpPr>
-            <a:spLocks noGrp="1"/>
-          </p:cNvSpPr>
-          <p:nvPr>
-            <p:ph type="sldNum" sz="quarter" idx="12"/>
-          </p:nvPr>
-        </p:nvSpPr>
-        <p:spPr/>
-        <p:txBody>
-          <a:bodyPr/>
-          <a:lstStyle/>
-          <a:p>
-            <a:fld id="{1BDE3FE7-3AEA-4B05-AC5A-802D1816ACF0}" type="slidenum">
-              <a:rPr lang="ko-KR" altLang="en-US" smtClean="0"/>
-              <a:t>30</a:t>
-            </a:fld>
-            <a:endParaRPr lang="ko-KR" altLang="en-US"/>
-          </a:p>
-        </p:txBody>
-      </p:sp>
-      <p:sp>
-        <p:nvSpPr>
-          <p:cNvPr id="6" name="TextBox 5"/>
-          <p:cNvSpPr txBox="1"/>
-          <p:nvPr/>
-        </p:nvSpPr>
-        <p:spPr>
-          <a:xfrm>
-            <a:off x="1208584" y="1268760"/>
-            <a:ext cx="6048672" cy="507831"/>
-          </a:xfrm>
-          <a:prstGeom prst="rect">
-            <a:avLst/>
-          </a:prstGeom>
-          <a:noFill/>
-        </p:spPr>
-        <p:txBody>
-          <a:bodyPr wrap="square" rtlCol="0">
-            <a:spAutoFit/>
-          </a:bodyPr>
-          <a:lstStyle/>
-          <a:p>
-            <a:pPr>
-              <a:lnSpc>
-                <a:spcPct val="150000"/>
-              </a:lnSpc>
-            </a:pPr>
-            <a:r>
-              <a:rPr lang="en-US" altLang="ko-KR" dirty="0"/>
-              <a:t>2</a:t>
-            </a:r>
-            <a:r>
-              <a:rPr lang="en-US" altLang="ko-KR" dirty="0" smtClean="0"/>
-              <a:t>. </a:t>
-            </a:r>
-            <a:r>
-              <a:rPr lang="en-US" altLang="ko-KR" dirty="0" err="1" smtClean="0"/>
-              <a:t>comment_modify</a:t>
-            </a:r>
-            <a:r>
-              <a:rPr lang="en-US" altLang="ko-KR" dirty="0" smtClean="0"/>
-              <a:t> </a:t>
-            </a:r>
-            <a:r>
-              <a:rPr lang="ko-KR" altLang="en-US" dirty="0" smtClean="0"/>
-              <a:t>함수 정의 </a:t>
-            </a:r>
-            <a:r>
-              <a:rPr lang="en-US" altLang="ko-KR" dirty="0" smtClean="0"/>
-              <a:t>– blog/views.py</a:t>
-            </a:r>
-          </a:p>
-        </p:txBody>
-      </p:sp>
-      <p:pic>
-        <p:nvPicPr>
-          <p:cNvPr id="5" name="그림 4"/>
-          <p:cNvPicPr>
-            <a:picLocks noChangeAspect="1"/>
-          </p:cNvPicPr>
-          <p:nvPr/>
-        </p:nvPicPr>
-        <p:blipFill>
-          <a:blip r:embed="rId2">
-            <a:extLst>
-              <a:ext uri="{28A0092B-C50C-407E-A947-70E740481C1C}">
-                <a14:useLocalDpi xmlns:a14="http://schemas.microsoft.com/office/drawing/2010/main" val="0"/>
-              </a:ext>
-            </a:extLst>
-          </a:blip>
-          <a:stretch>
-            <a:fillRect/>
-          </a:stretch>
-        </p:blipFill>
-        <p:spPr>
-          <a:xfrm>
-            <a:off x="1504663" y="1844824"/>
-            <a:ext cx="6502565" cy="4536504"/>
-          </a:xfrm>
-          <a:prstGeom prst="rect">
-            <a:avLst/>
-          </a:prstGeom>
-          <a:ln>
-            <a:solidFill>
-              <a:schemeClr val="bg1">
-                <a:lumMod val="85000"/>
-              </a:schemeClr>
-            </a:solidFill>
-          </a:ln>
-        </p:spPr>
-      </p:pic>
-    </p:spTree>
-    <p:extLst>
-      <p:ext uri="{BB962C8B-B14F-4D97-AF65-F5344CB8AC3E}">
-        <p14:creationId xmlns:p14="http://schemas.microsoft.com/office/powerpoint/2010/main" val="2430951611"/>
-      </p:ext>
-    </p:extLst>
-  </p:cSld>
-  <p:clrMapOvr>
-    <a:masterClrMapping/>
-  </p:clrMapOvr>
-  <p:timing>
-    <p:tnLst>
-      <p:par>
-        <p:cTn id="1" dur="indefinite" restart="never" nodeType="tmRoot"/>
-      </p:par>
-    </p:tnLst>
-  </p:timing>
-</p:sld>
-</file>
-
 <file path=ppt/slides/slide4.xml><?xml version="1.0" encoding="utf-8"?>
 <p:sld xmlns:a="http://schemas.openxmlformats.org/drawingml/2006/main" xmlns:r="http://schemas.openxmlformats.org/officeDocument/2006/relationships" xmlns:p="http://schemas.openxmlformats.org/presentationml/2006/main">
   <p:cSld>
